--- a/Oracle-Vivek Gohil.pptx
+++ b/Oracle-Vivek Gohil.pptx
@@ -41,6 +41,12 @@
     <p:sldId id="300" r:id="rId35"/>
     <p:sldId id="301" r:id="rId36"/>
     <p:sldId id="302" r:id="rId37"/>
+    <p:sldId id="304" r:id="rId38"/>
+    <p:sldId id="305" r:id="rId39"/>
+    <p:sldId id="306" r:id="rId40"/>
+    <p:sldId id="307" r:id="rId41"/>
+    <p:sldId id="303" r:id="rId42"/>
+    <p:sldId id="308" r:id="rId43"/>
   </p:sldIdLst>
   <p:sldSz cx="12192000" cy="6858000"/>
   <p:notesSz cx="6858000" cy="9144000"/>
@@ -278,7 +284,7 @@
           <a:p>
             <a:fld id="{B95615E5-233A-4BFC-AA18-6D71D6752865}" type="datetimeFigureOut">
               <a:rPr lang="en-IN" smtClean="0"/>
-              <a:t>17-10-2021</a:t>
+              <a:t>18-10-2021</a:t>
             </a:fld>
             <a:endParaRPr lang="en-IN"/>
           </a:p>
@@ -448,7 +454,7 @@
           <a:p>
             <a:fld id="{B95615E5-233A-4BFC-AA18-6D71D6752865}" type="datetimeFigureOut">
               <a:rPr lang="en-IN" smtClean="0"/>
-              <a:t>17-10-2021</a:t>
+              <a:t>18-10-2021</a:t>
             </a:fld>
             <a:endParaRPr lang="en-IN"/>
           </a:p>
@@ -628,7 +634,7 @@
           <a:p>
             <a:fld id="{B95615E5-233A-4BFC-AA18-6D71D6752865}" type="datetimeFigureOut">
               <a:rPr lang="en-IN" smtClean="0"/>
-              <a:t>17-10-2021</a:t>
+              <a:t>18-10-2021</a:t>
             </a:fld>
             <a:endParaRPr lang="en-IN"/>
           </a:p>
@@ -798,7 +804,7 @@
           <a:p>
             <a:fld id="{B95615E5-233A-4BFC-AA18-6D71D6752865}" type="datetimeFigureOut">
               <a:rPr lang="en-IN" smtClean="0"/>
-              <a:t>17-10-2021</a:t>
+              <a:t>18-10-2021</a:t>
             </a:fld>
             <a:endParaRPr lang="en-IN"/>
           </a:p>
@@ -1044,7 +1050,7 @@
           <a:p>
             <a:fld id="{B95615E5-233A-4BFC-AA18-6D71D6752865}" type="datetimeFigureOut">
               <a:rPr lang="en-IN" smtClean="0"/>
-              <a:t>17-10-2021</a:t>
+              <a:t>18-10-2021</a:t>
             </a:fld>
             <a:endParaRPr lang="en-IN"/>
           </a:p>
@@ -1276,7 +1282,7 @@
           <a:p>
             <a:fld id="{B95615E5-233A-4BFC-AA18-6D71D6752865}" type="datetimeFigureOut">
               <a:rPr lang="en-IN" smtClean="0"/>
-              <a:t>17-10-2021</a:t>
+              <a:t>18-10-2021</a:t>
             </a:fld>
             <a:endParaRPr lang="en-IN"/>
           </a:p>
@@ -1643,7 +1649,7 @@
           <a:p>
             <a:fld id="{B95615E5-233A-4BFC-AA18-6D71D6752865}" type="datetimeFigureOut">
               <a:rPr lang="en-IN" smtClean="0"/>
-              <a:t>17-10-2021</a:t>
+              <a:t>18-10-2021</a:t>
             </a:fld>
             <a:endParaRPr lang="en-IN"/>
           </a:p>
@@ -1761,7 +1767,7 @@
           <a:p>
             <a:fld id="{B95615E5-233A-4BFC-AA18-6D71D6752865}" type="datetimeFigureOut">
               <a:rPr lang="en-IN" smtClean="0"/>
-              <a:t>17-10-2021</a:t>
+              <a:t>18-10-2021</a:t>
             </a:fld>
             <a:endParaRPr lang="en-IN"/>
           </a:p>
@@ -1856,7 +1862,7 @@
           <a:p>
             <a:fld id="{B95615E5-233A-4BFC-AA18-6D71D6752865}" type="datetimeFigureOut">
               <a:rPr lang="en-IN" smtClean="0"/>
-              <a:t>17-10-2021</a:t>
+              <a:t>18-10-2021</a:t>
             </a:fld>
             <a:endParaRPr lang="en-IN"/>
           </a:p>
@@ -2133,7 +2139,7 @@
           <a:p>
             <a:fld id="{B95615E5-233A-4BFC-AA18-6D71D6752865}" type="datetimeFigureOut">
               <a:rPr lang="en-IN" smtClean="0"/>
-              <a:t>17-10-2021</a:t>
+              <a:t>18-10-2021</a:t>
             </a:fld>
             <a:endParaRPr lang="en-IN"/>
           </a:p>
@@ -2390,7 +2396,7 @@
           <a:p>
             <a:fld id="{B95615E5-233A-4BFC-AA18-6D71D6752865}" type="datetimeFigureOut">
               <a:rPr lang="en-IN" smtClean="0"/>
-              <a:t>17-10-2021</a:t>
+              <a:t>18-10-2021</a:t>
             </a:fld>
             <a:endParaRPr lang="en-IN"/>
           </a:p>
@@ -2603,7 +2609,7 @@
           <a:p>
             <a:fld id="{B95615E5-233A-4BFC-AA18-6D71D6752865}" type="datetimeFigureOut">
               <a:rPr lang="en-IN" smtClean="0"/>
-              <a:t>17-10-2021</a:t>
+              <a:t>18-10-2021</a:t>
             </a:fld>
             <a:endParaRPr lang="en-IN"/>
           </a:p>
@@ -3957,7 +3963,7 @@
           <a:p>
             <a:r>
               <a:rPr lang="en-US" dirty="0"/>
-              <a:t>Suppose, We have tow tables T1 and T2:</a:t>
+              <a:t>Suppose, We have two tables T1 and T2:</a:t>
             </a:r>
           </a:p>
           <a:p>
@@ -6476,7 +6482,7 @@
         <p:spPr/>
         <p:txBody>
           <a:bodyPr>
-            <a:normAutofit lnSpcReduction="10000"/>
+            <a:normAutofit/>
           </a:bodyPr>
           <a:lstStyle/>
           <a:p>
@@ -6504,19 +6510,6 @@
               <a:rPr lang="en-US" dirty="0"/>
               <a:t> – raise an exception with a user-defined error message.</a:t>
             </a:r>
-          </a:p>
-          <a:p>
-            <a:r>
-              <a:rPr lang="en-US" dirty="0"/>
-              <a:t>Exception propagation – learn about how PL/SQL propagates an unhandled exception from the current block to its enclosing block.</a:t>
-            </a:r>
-          </a:p>
-          <a:p>
-            <a:r>
-              <a:rPr lang="en-US"/>
-              <a:t>Handling other unhandled exceptions – show you how to use the SQLCODE and SQLERRM functions to handle other unhandled exceptions.</a:t>
-            </a:r>
-            <a:endParaRPr lang="en-IN"/>
           </a:p>
         </p:txBody>
       </p:sp>
@@ -6524,6 +6517,359 @@
     <p:extLst>
       <p:ext uri="{BB962C8B-B14F-4D97-AF65-F5344CB8AC3E}">
         <p14:creationId xmlns:p14="http://schemas.microsoft.com/office/powerpoint/2010/main" val="412550026"/>
+      </p:ext>
+    </p:extLst>
+  </p:cSld>
+  <p:clrMapOvr>
+    <a:masterClrMapping/>
+  </p:clrMapOvr>
+</p:sld>
+</file>
+
+<file path=ppt/slides/slide37.xml><?xml version="1.0" encoding="utf-8"?>
+<p:sld xmlns:a="http://schemas.openxmlformats.org/drawingml/2006/main" xmlns:r="http://schemas.openxmlformats.org/officeDocument/2006/relationships" xmlns:p="http://schemas.openxmlformats.org/presentationml/2006/main">
+  <p:cSld>
+    <p:spTree>
+      <p:nvGrpSpPr>
+        <p:cNvPr id="1" name=""/>
+        <p:cNvGrpSpPr/>
+        <p:nvPr/>
+      </p:nvGrpSpPr>
+      <p:grpSpPr>
+        <a:xfrm>
+          <a:off x="0" y="0"/>
+          <a:ext cx="0" cy="0"/>
+          <a:chOff x="0" y="0"/>
+          <a:chExt cx="0" cy="0"/>
+        </a:xfrm>
+      </p:grpSpPr>
+      <p:sp>
+        <p:nvSpPr>
+          <p:cNvPr id="2" name="Title 1">
+            <a:extLst>
+              <a:ext uri="{FF2B5EF4-FFF2-40B4-BE49-F238E27FC236}">
+                <a16:creationId xmlns:a16="http://schemas.microsoft.com/office/drawing/2014/main" id="{11DD320D-192C-4785-8471-ACF954620282}"/>
+              </a:ext>
+            </a:extLst>
+          </p:cNvPr>
+          <p:cNvSpPr>
+            <a:spLocks noGrp="1"/>
+          </p:cNvSpPr>
+          <p:nvPr>
+            <p:ph type="title"/>
+          </p:nvPr>
+        </p:nvSpPr>
+        <p:spPr/>
+        <p:txBody>
+          <a:bodyPr/>
+          <a:lstStyle/>
+          <a:p>
+            <a:r>
+              <a:rPr lang="en-US" dirty="0"/>
+              <a:t>Section 19. Cursors</a:t>
+            </a:r>
+            <a:endParaRPr lang="en-IN" dirty="0"/>
+          </a:p>
+        </p:txBody>
+      </p:sp>
+      <p:sp>
+        <p:nvSpPr>
+          <p:cNvPr id="3" name="Content Placeholder 2">
+            <a:extLst>
+              <a:ext uri="{FF2B5EF4-FFF2-40B4-BE49-F238E27FC236}">
+                <a16:creationId xmlns:a16="http://schemas.microsoft.com/office/drawing/2014/main" id="{28365C1B-1B63-41B0-8B24-2213F1128353}"/>
+              </a:ext>
+            </a:extLst>
+          </p:cNvPr>
+          <p:cNvSpPr>
+            <a:spLocks noGrp="1"/>
+          </p:cNvSpPr>
+          <p:nvPr>
+            <p:ph idx="1"/>
+          </p:nvPr>
+        </p:nvSpPr>
+        <p:spPr/>
+        <p:txBody>
+          <a:bodyPr/>
+          <a:lstStyle/>
+          <a:p>
+            <a:r>
+              <a:rPr lang="en-US" dirty="0"/>
+              <a:t>A cursor is a pointer that points to a result of a query. </a:t>
+            </a:r>
+          </a:p>
+          <a:p>
+            <a:r>
+              <a:rPr lang="en-US" dirty="0"/>
+              <a:t>PL/SQL has two types of cursors: </a:t>
+            </a:r>
+          </a:p>
+          <a:p>
+            <a:pPr lvl="1"/>
+            <a:r>
+              <a:rPr lang="en-US" dirty="0"/>
+              <a:t>Implicit cursors</a:t>
+            </a:r>
+          </a:p>
+          <a:p>
+            <a:pPr lvl="1"/>
+            <a:r>
+              <a:rPr lang="en-US" dirty="0"/>
+              <a:t>Explicit cursors</a:t>
+            </a:r>
+            <a:endParaRPr lang="en-IN" dirty="0"/>
+          </a:p>
+        </p:txBody>
+      </p:sp>
+    </p:spTree>
+    <p:extLst>
+      <p:ext uri="{BB962C8B-B14F-4D97-AF65-F5344CB8AC3E}">
+        <p14:creationId xmlns:p14="http://schemas.microsoft.com/office/powerpoint/2010/main" val="3020735152"/>
+      </p:ext>
+    </p:extLst>
+  </p:cSld>
+  <p:clrMapOvr>
+    <a:masterClrMapping/>
+  </p:clrMapOvr>
+</p:sld>
+</file>
+
+<file path=ppt/slides/slide38.xml><?xml version="1.0" encoding="utf-8"?>
+<p:sld xmlns:a="http://schemas.openxmlformats.org/drawingml/2006/main" xmlns:r="http://schemas.openxmlformats.org/officeDocument/2006/relationships" xmlns:p="http://schemas.openxmlformats.org/presentationml/2006/main">
+  <p:cSld>
+    <p:spTree>
+      <p:nvGrpSpPr>
+        <p:cNvPr id="1" name=""/>
+        <p:cNvGrpSpPr/>
+        <p:nvPr/>
+      </p:nvGrpSpPr>
+      <p:grpSpPr>
+        <a:xfrm>
+          <a:off x="0" y="0"/>
+          <a:ext cx="0" cy="0"/>
+          <a:chOff x="0" y="0"/>
+          <a:chExt cx="0" cy="0"/>
+        </a:xfrm>
+      </p:grpSpPr>
+      <p:sp>
+        <p:nvSpPr>
+          <p:cNvPr id="2" name="Title 1">
+            <a:extLst>
+              <a:ext uri="{FF2B5EF4-FFF2-40B4-BE49-F238E27FC236}">
+                <a16:creationId xmlns:a16="http://schemas.microsoft.com/office/drawing/2014/main" id="{48DCF17C-5528-48A6-8851-3E620BBA6AA9}"/>
+              </a:ext>
+            </a:extLst>
+          </p:cNvPr>
+          <p:cNvSpPr>
+            <a:spLocks noGrp="1"/>
+          </p:cNvSpPr>
+          <p:nvPr>
+            <p:ph type="title"/>
+          </p:nvPr>
+        </p:nvSpPr>
+        <p:spPr/>
+        <p:txBody>
+          <a:bodyPr/>
+          <a:lstStyle/>
+          <a:p>
+            <a:r>
+              <a:rPr lang="en-IN" dirty="0"/>
+              <a:t>Implicit cursors</a:t>
+            </a:r>
+          </a:p>
+        </p:txBody>
+      </p:sp>
+      <p:sp>
+        <p:nvSpPr>
+          <p:cNvPr id="3" name="Content Placeholder 2">
+            <a:extLst>
+              <a:ext uri="{FF2B5EF4-FFF2-40B4-BE49-F238E27FC236}">
+                <a16:creationId xmlns:a16="http://schemas.microsoft.com/office/drawing/2014/main" id="{10C30AF0-56E4-4C63-B37D-F7596F121ABE}"/>
+              </a:ext>
+            </a:extLst>
+          </p:cNvPr>
+          <p:cNvSpPr>
+            <a:spLocks noGrp="1"/>
+          </p:cNvSpPr>
+          <p:nvPr>
+            <p:ph idx="1"/>
+          </p:nvPr>
+        </p:nvSpPr>
+        <p:spPr/>
+        <p:txBody>
+          <a:bodyPr/>
+          <a:lstStyle/>
+          <a:p>
+            <a:r>
+              <a:rPr lang="en-US" dirty="0"/>
+              <a:t>Whenever Oracle executes an SQL statement such as SELECT INTO, INSERT, UPDATE, and DELETE, it automatically creates an implicit cursor.</a:t>
+            </a:r>
+          </a:p>
+          <a:p>
+            <a:r>
+              <a:rPr lang="en-US" dirty="0"/>
+              <a:t>Oracle internally manages the whole execution cycle of implicit cursors and reveals only the cursor’s information and statuses such as SQL%ROWCOUNT, SQL%ISOPEN, SQL%FOUND, and SQL%NOTFOUND.</a:t>
+            </a:r>
+          </a:p>
+          <a:p>
+            <a:r>
+              <a:rPr lang="en-US" dirty="0"/>
+              <a:t>The implicit cursor is not elegant when the query returns zero or multiple rows which cause NO_DATA_FOUND or TOO_MANY_ROWS exception, respectively.</a:t>
+            </a:r>
+            <a:endParaRPr lang="en-IN" dirty="0"/>
+          </a:p>
+        </p:txBody>
+      </p:sp>
+    </p:spTree>
+    <p:extLst>
+      <p:ext uri="{BB962C8B-B14F-4D97-AF65-F5344CB8AC3E}">
+        <p14:creationId xmlns:p14="http://schemas.microsoft.com/office/powerpoint/2010/main" val="1164749473"/>
+      </p:ext>
+    </p:extLst>
+  </p:cSld>
+  <p:clrMapOvr>
+    <a:masterClrMapping/>
+  </p:clrMapOvr>
+</p:sld>
+</file>
+
+<file path=ppt/slides/slide39.xml><?xml version="1.0" encoding="utf-8"?>
+<p:sld xmlns:a="http://schemas.openxmlformats.org/drawingml/2006/main" xmlns:r="http://schemas.openxmlformats.org/officeDocument/2006/relationships" xmlns:p="http://schemas.openxmlformats.org/presentationml/2006/main">
+  <p:cSld>
+    <p:spTree>
+      <p:nvGrpSpPr>
+        <p:cNvPr id="1" name=""/>
+        <p:cNvGrpSpPr/>
+        <p:nvPr/>
+      </p:nvGrpSpPr>
+      <p:grpSpPr>
+        <a:xfrm>
+          <a:off x="0" y="0"/>
+          <a:ext cx="0" cy="0"/>
+          <a:chOff x="0" y="0"/>
+          <a:chExt cx="0" cy="0"/>
+        </a:xfrm>
+      </p:grpSpPr>
+      <p:sp>
+        <p:nvSpPr>
+          <p:cNvPr id="2" name="Title 1">
+            <a:extLst>
+              <a:ext uri="{FF2B5EF4-FFF2-40B4-BE49-F238E27FC236}">
+                <a16:creationId xmlns:a16="http://schemas.microsoft.com/office/drawing/2014/main" id="{53C56E03-273E-46DA-AF0F-B98CC675A2E3}"/>
+              </a:ext>
+            </a:extLst>
+          </p:cNvPr>
+          <p:cNvSpPr>
+            <a:spLocks noGrp="1"/>
+          </p:cNvSpPr>
+          <p:nvPr>
+            <p:ph type="title"/>
+          </p:nvPr>
+        </p:nvSpPr>
+        <p:spPr/>
+        <p:txBody>
+          <a:bodyPr/>
+          <a:lstStyle/>
+          <a:p>
+            <a:r>
+              <a:rPr lang="en-IN" dirty="0"/>
+              <a:t>Explicit cursors</a:t>
+            </a:r>
+          </a:p>
+        </p:txBody>
+      </p:sp>
+      <p:sp>
+        <p:nvSpPr>
+          <p:cNvPr id="3" name="Content Placeholder 2">
+            <a:extLst>
+              <a:ext uri="{FF2B5EF4-FFF2-40B4-BE49-F238E27FC236}">
+                <a16:creationId xmlns:a16="http://schemas.microsoft.com/office/drawing/2014/main" id="{45E4A585-9666-47D6-8EE3-91FE90570D93}"/>
+              </a:ext>
+            </a:extLst>
+          </p:cNvPr>
+          <p:cNvSpPr>
+            <a:spLocks noGrp="1"/>
+          </p:cNvSpPr>
+          <p:nvPr>
+            <p:ph idx="1"/>
+          </p:nvPr>
+        </p:nvSpPr>
+        <p:spPr/>
+        <p:txBody>
+          <a:bodyPr/>
+          <a:lstStyle/>
+          <a:p>
+            <a:r>
+              <a:rPr lang="en-US" dirty="0"/>
+              <a:t>An explicit cursor is an SELECT statement declared explicitly in the declaration section of the current block or a package specification.</a:t>
+            </a:r>
+          </a:p>
+          <a:p>
+            <a:r>
+              <a:rPr lang="en-US" dirty="0"/>
+              <a:t>For an explicit cursor, you have control over its execution cycle from OPEN, FETCH, and CLOSE.</a:t>
+            </a:r>
+          </a:p>
+          <a:p>
+            <a:r>
+              <a:rPr lang="en-US" dirty="0"/>
+              <a:t>Oracle defines an execution cycle that executes an SQL statement and associates a cursor with it.</a:t>
+            </a:r>
+            <a:endParaRPr lang="en-IN" dirty="0"/>
+          </a:p>
+        </p:txBody>
+      </p:sp>
+      <p:pic>
+        <p:nvPicPr>
+          <p:cNvPr id="2050" name="Picture 2" descr="PL/SQL Cursor">
+            <a:extLst>
+              <a:ext uri="{FF2B5EF4-FFF2-40B4-BE49-F238E27FC236}">
+                <a16:creationId xmlns:a16="http://schemas.microsoft.com/office/drawing/2014/main" id="{CF95ECBC-B715-4B57-9AAA-119E959DE120}"/>
+              </a:ext>
+            </a:extLst>
+          </p:cNvPr>
+          <p:cNvPicPr>
+            <a:picLocks noChangeAspect="1" noChangeArrowheads="1"/>
+          </p:cNvPicPr>
+          <p:nvPr/>
+        </p:nvPicPr>
+        <p:blipFill>
+          <a:blip r:embed="rId2">
+            <a:extLst>
+              <a:ext uri="{28A0092B-C50C-407E-A947-70E740481C1C}">
+                <a14:useLocalDpi xmlns:a14="http://schemas.microsoft.com/office/drawing/2010/main" val="0"/>
+              </a:ext>
+            </a:extLst>
+          </a:blip>
+          <a:srcRect/>
+          <a:stretch>
+            <a:fillRect/>
+          </a:stretch>
+        </p:blipFill>
+        <p:spPr bwMode="auto">
+          <a:xfrm>
+            <a:off x="1908757" y="4631335"/>
+            <a:ext cx="7334250" cy="1924050"/>
+          </a:xfrm>
+          <a:prstGeom prst="rect">
+            <a:avLst/>
+          </a:prstGeom>
+          <a:noFill/>
+          <a:extLst>
+            <a:ext uri="{909E8E84-426E-40DD-AFC4-6F175D3DCCD1}">
+              <a14:hiddenFill xmlns:a14="http://schemas.microsoft.com/office/drawing/2010/main">
+                <a:solidFill>
+                  <a:srgbClr val="FFFFFF"/>
+                </a:solidFill>
+              </a14:hiddenFill>
+            </a:ext>
+          </a:extLst>
+        </p:spPr>
+      </p:pic>
+    </p:spTree>
+    <p:extLst>
+      <p:ext uri="{BB962C8B-B14F-4D97-AF65-F5344CB8AC3E}">
+        <p14:creationId xmlns:p14="http://schemas.microsoft.com/office/powerpoint/2010/main" val="2256932336"/>
       </p:ext>
     </p:extLst>
   </p:cSld>
@@ -6638,6 +6984,716 @@
     <p:extLst>
       <p:ext uri="{BB962C8B-B14F-4D97-AF65-F5344CB8AC3E}">
         <p14:creationId xmlns:p14="http://schemas.microsoft.com/office/powerpoint/2010/main" val="3166474620"/>
+      </p:ext>
+    </p:extLst>
+  </p:cSld>
+  <p:clrMapOvr>
+    <a:masterClrMapping/>
+  </p:clrMapOvr>
+</p:sld>
+</file>
+
+<file path=ppt/slides/slide40.xml><?xml version="1.0" encoding="utf-8"?>
+<p:sld xmlns:a="http://schemas.openxmlformats.org/drawingml/2006/main" xmlns:r="http://schemas.openxmlformats.org/officeDocument/2006/relationships" xmlns:p="http://schemas.openxmlformats.org/presentationml/2006/main">
+  <p:cSld>
+    <p:spTree>
+      <p:nvGrpSpPr>
+        <p:cNvPr id="1" name=""/>
+        <p:cNvGrpSpPr/>
+        <p:nvPr/>
+      </p:nvGrpSpPr>
+      <p:grpSpPr>
+        <a:xfrm>
+          <a:off x="0" y="0"/>
+          <a:ext cx="0" cy="0"/>
+          <a:chOff x="0" y="0"/>
+          <a:chExt cx="0" cy="0"/>
+        </a:xfrm>
+      </p:grpSpPr>
+      <p:sp>
+        <p:nvSpPr>
+          <p:cNvPr id="2" name="Title 1">
+            <a:extLst>
+              <a:ext uri="{FF2B5EF4-FFF2-40B4-BE49-F238E27FC236}">
+                <a16:creationId xmlns:a16="http://schemas.microsoft.com/office/drawing/2014/main" id="{3D60729F-FC88-4B0B-9223-BE9A56CA4C04}"/>
+              </a:ext>
+            </a:extLst>
+          </p:cNvPr>
+          <p:cNvSpPr>
+            <a:spLocks noGrp="1"/>
+          </p:cNvSpPr>
+          <p:nvPr>
+            <p:ph type="title"/>
+          </p:nvPr>
+        </p:nvSpPr>
+        <p:spPr/>
+        <p:txBody>
+          <a:bodyPr/>
+          <a:lstStyle/>
+          <a:p>
+            <a:r>
+              <a:rPr lang="en-IN" dirty="0"/>
+              <a:t>Explicit Cursor Attributes</a:t>
+            </a:r>
+          </a:p>
+        </p:txBody>
+      </p:sp>
+      <p:sp>
+        <p:nvSpPr>
+          <p:cNvPr id="3" name="Content Placeholder 2">
+            <a:extLst>
+              <a:ext uri="{FF2B5EF4-FFF2-40B4-BE49-F238E27FC236}">
+                <a16:creationId xmlns:a16="http://schemas.microsoft.com/office/drawing/2014/main" id="{E150C767-DCF8-433A-882D-0188F1C1AC3D}"/>
+              </a:ext>
+            </a:extLst>
+          </p:cNvPr>
+          <p:cNvSpPr>
+            <a:spLocks noGrp="1"/>
+          </p:cNvSpPr>
+          <p:nvPr>
+            <p:ph idx="1"/>
+          </p:nvPr>
+        </p:nvSpPr>
+        <p:spPr/>
+        <p:txBody>
+          <a:bodyPr>
+            <a:normAutofit fontScale="77500" lnSpcReduction="20000"/>
+          </a:bodyPr>
+          <a:lstStyle/>
+          <a:p>
+            <a:r>
+              <a:rPr lang="en-US" dirty="0"/>
+              <a:t>A cursor has four attributes</a:t>
+            </a:r>
+          </a:p>
+          <a:p>
+            <a:pPr lvl="1"/>
+            <a:r>
+              <a:rPr lang="en-IN" dirty="0"/>
+              <a:t>%ISOPEN</a:t>
+            </a:r>
+          </a:p>
+          <a:p>
+            <a:pPr lvl="2"/>
+            <a:r>
+              <a:rPr lang="en-US" dirty="0"/>
+              <a:t>This attribute is TRUE if the cursor is open or FALSE if it is not.</a:t>
+            </a:r>
+            <a:r>
+              <a:rPr lang="en-IN" dirty="0"/>
+              <a:t> </a:t>
+            </a:r>
+          </a:p>
+          <a:p>
+            <a:pPr lvl="1"/>
+            <a:r>
+              <a:rPr lang="en-IN" dirty="0"/>
+              <a:t>%FOUND</a:t>
+            </a:r>
+          </a:p>
+          <a:p>
+            <a:pPr lvl="2"/>
+            <a:r>
+              <a:rPr lang="en-US" dirty="0"/>
+              <a:t>This attribute has four values:</a:t>
+            </a:r>
+          </a:p>
+          <a:p>
+            <a:pPr lvl="3"/>
+            <a:r>
+              <a:rPr lang="en-US" dirty="0"/>
+              <a:t>NULL before the first fetch</a:t>
+            </a:r>
+          </a:p>
+          <a:p>
+            <a:pPr lvl="3"/>
+            <a:r>
+              <a:rPr lang="en-US" dirty="0"/>
+              <a:t>TRUE if a record was fetched successfully</a:t>
+            </a:r>
+          </a:p>
+          <a:p>
+            <a:pPr lvl="3"/>
+            <a:r>
+              <a:rPr lang="en-US" dirty="0"/>
+              <a:t>FALSE if no row returned</a:t>
+            </a:r>
+          </a:p>
+          <a:p>
+            <a:pPr lvl="3"/>
+            <a:r>
+              <a:rPr lang="en-US" dirty="0"/>
+              <a:t>INVALID_CURSOR if the cursor is not opened</a:t>
+            </a:r>
+          </a:p>
+          <a:p>
+            <a:pPr lvl="1"/>
+            <a:r>
+              <a:rPr lang="en-IN" dirty="0"/>
+              <a:t>%NOTFOUND</a:t>
+            </a:r>
+          </a:p>
+          <a:p>
+            <a:pPr lvl="2"/>
+            <a:r>
+              <a:rPr lang="en-US" dirty="0"/>
+              <a:t>This attribute has four values:</a:t>
+            </a:r>
+          </a:p>
+          <a:p>
+            <a:pPr lvl="3"/>
+            <a:r>
+              <a:rPr lang="en-US" dirty="0"/>
+              <a:t>NULL before the first fetch</a:t>
+            </a:r>
+          </a:p>
+          <a:p>
+            <a:pPr lvl="3"/>
+            <a:r>
+              <a:rPr lang="en-US" dirty="0"/>
+              <a:t>FALSE if a record was fetched successfully</a:t>
+            </a:r>
+          </a:p>
+          <a:p>
+            <a:pPr lvl="3"/>
+            <a:r>
+              <a:rPr lang="en-US" dirty="0"/>
+              <a:t>TRUE if no row returned</a:t>
+            </a:r>
+          </a:p>
+          <a:p>
+            <a:pPr lvl="3"/>
+            <a:r>
+              <a:rPr lang="en-US" dirty="0"/>
+              <a:t>INVALID_CURSOR if the cursor is not opened</a:t>
+            </a:r>
+          </a:p>
+          <a:p>
+            <a:pPr lvl="1"/>
+            <a:r>
+              <a:rPr lang="en-IN" dirty="0"/>
+              <a:t>%ROWCOUNT</a:t>
+            </a:r>
+          </a:p>
+          <a:p>
+            <a:pPr lvl="2"/>
+            <a:r>
+              <a:rPr lang="en-US" dirty="0"/>
+              <a:t>The %ROWCOUNT attribute returns the number of rows fetched from the cursor. If the cursor is not opened, this attribute returns INVALID_CURSOR.</a:t>
+            </a:r>
+            <a:endParaRPr lang="en-IN" dirty="0"/>
+          </a:p>
+        </p:txBody>
+      </p:sp>
+      <p:sp>
+        <p:nvSpPr>
+          <p:cNvPr id="7" name="Rectangle 2">
+            <a:extLst>
+              <a:ext uri="{FF2B5EF4-FFF2-40B4-BE49-F238E27FC236}">
+                <a16:creationId xmlns:a16="http://schemas.microsoft.com/office/drawing/2014/main" id="{CA7C8C72-D978-40AB-A815-12102BE0175C}"/>
+              </a:ext>
+            </a:extLst>
+          </p:cNvPr>
+          <p:cNvSpPr>
+            <a:spLocks noChangeArrowheads="1"/>
+          </p:cNvSpPr>
+          <p:nvPr/>
+        </p:nvSpPr>
+        <p:spPr bwMode="auto">
+          <a:xfrm>
+            <a:off x="0" y="0"/>
+            <a:ext cx="12192000" cy="0"/>
+          </a:xfrm>
+          <a:prstGeom prst="rect">
+            <a:avLst/>
+          </a:prstGeom>
+          <a:noFill/>
+          <a:ln>
+            <a:noFill/>
+          </a:ln>
+          <a:effectLst/>
+          <a:extLst>
+            <a:ext uri="{909E8E84-426E-40DD-AFC4-6F175D3DCCD1}">
+              <a14:hiddenFill xmlns:a14="http://schemas.microsoft.com/office/drawing/2010/main">
+                <a:solidFill>
+                  <a:schemeClr val="accent1"/>
+                </a:solidFill>
+              </a14:hiddenFill>
+            </a:ext>
+            <a:ext uri="{91240B29-F687-4F45-9708-019B960494DF}">
+              <a14:hiddenLine xmlns:a14="http://schemas.microsoft.com/office/drawing/2010/main" w="9525">
+                <a:solidFill>
+                  <a:schemeClr val="tx1"/>
+                </a:solidFill>
+                <a:miter lim="800000"/>
+                <a:headEnd/>
+                <a:tailEnd/>
+              </a14:hiddenLine>
+            </a:ext>
+            <a:ext uri="{AF507438-7753-43E0-B8FC-AC1667EBCBE1}">
+              <a14:hiddenEffects xmlns:a14="http://schemas.microsoft.com/office/drawing/2010/main">
+                <a:effectLst>
+                  <a:outerShdw dist="35921" dir="2700000" algn="ctr" rotWithShape="0">
+                    <a:schemeClr val="bg2"/>
+                  </a:outerShdw>
+                </a:effectLst>
+              </a14:hiddenEffects>
+            </a:ext>
+          </a:extLst>
+        </p:spPr>
+        <p:txBody>
+          <a:bodyPr vert="horz" wrap="none" lIns="91440" tIns="45720" rIns="91440" bIns="45720" numCol="1" anchor="ctr" anchorCtr="0" compatLnSpc="1">
+            <a:prstTxWarp prst="textNoShape">
+              <a:avLst/>
+            </a:prstTxWarp>
+            <a:spAutoFit/>
+          </a:bodyPr>
+          <a:lstStyle>
+            <a:lvl1pPr eaLnBrk="0" fontAlgn="base" hangingPunct="0">
+              <a:spcBef>
+                <a:spcPct val="0"/>
+              </a:spcBef>
+              <a:spcAft>
+                <a:spcPct val="0"/>
+              </a:spcAft>
+              <a:defRPr>
+                <a:solidFill>
+                  <a:schemeClr val="tx1"/>
+                </a:solidFill>
+                <a:latin typeface="Arial" panose="020B0604020202020204" pitchFamily="34" charset="0"/>
+              </a:defRPr>
+            </a:lvl1pPr>
+            <a:lvl2pPr eaLnBrk="0" fontAlgn="base" hangingPunct="0">
+              <a:spcBef>
+                <a:spcPct val="0"/>
+              </a:spcBef>
+              <a:spcAft>
+                <a:spcPct val="0"/>
+              </a:spcAft>
+              <a:defRPr>
+                <a:solidFill>
+                  <a:schemeClr val="tx1"/>
+                </a:solidFill>
+                <a:latin typeface="Arial" panose="020B0604020202020204" pitchFamily="34" charset="0"/>
+              </a:defRPr>
+            </a:lvl2pPr>
+            <a:lvl3pPr eaLnBrk="0" fontAlgn="base" hangingPunct="0">
+              <a:spcBef>
+                <a:spcPct val="0"/>
+              </a:spcBef>
+              <a:spcAft>
+                <a:spcPct val="0"/>
+              </a:spcAft>
+              <a:defRPr>
+                <a:solidFill>
+                  <a:schemeClr val="tx1"/>
+                </a:solidFill>
+                <a:latin typeface="Arial" panose="020B0604020202020204" pitchFamily="34" charset="0"/>
+              </a:defRPr>
+            </a:lvl3pPr>
+            <a:lvl4pPr eaLnBrk="0" fontAlgn="base" hangingPunct="0">
+              <a:spcBef>
+                <a:spcPct val="0"/>
+              </a:spcBef>
+              <a:spcAft>
+                <a:spcPct val="0"/>
+              </a:spcAft>
+              <a:defRPr>
+                <a:solidFill>
+                  <a:schemeClr val="tx1"/>
+                </a:solidFill>
+                <a:latin typeface="Arial" panose="020B0604020202020204" pitchFamily="34" charset="0"/>
+              </a:defRPr>
+            </a:lvl4pPr>
+            <a:lvl5pPr eaLnBrk="0" fontAlgn="base" hangingPunct="0">
+              <a:spcBef>
+                <a:spcPct val="0"/>
+              </a:spcBef>
+              <a:spcAft>
+                <a:spcPct val="0"/>
+              </a:spcAft>
+              <a:defRPr>
+                <a:solidFill>
+                  <a:schemeClr val="tx1"/>
+                </a:solidFill>
+                <a:latin typeface="Arial" panose="020B0604020202020204" pitchFamily="34" charset="0"/>
+              </a:defRPr>
+            </a:lvl5pPr>
+            <a:lvl6pPr eaLnBrk="0" fontAlgn="base" hangingPunct="0">
+              <a:spcBef>
+                <a:spcPct val="0"/>
+              </a:spcBef>
+              <a:spcAft>
+                <a:spcPct val="0"/>
+              </a:spcAft>
+              <a:defRPr>
+                <a:solidFill>
+                  <a:schemeClr val="tx1"/>
+                </a:solidFill>
+                <a:latin typeface="Arial" panose="020B0604020202020204" pitchFamily="34" charset="0"/>
+              </a:defRPr>
+            </a:lvl6pPr>
+            <a:lvl7pPr eaLnBrk="0" fontAlgn="base" hangingPunct="0">
+              <a:spcBef>
+                <a:spcPct val="0"/>
+              </a:spcBef>
+              <a:spcAft>
+                <a:spcPct val="0"/>
+              </a:spcAft>
+              <a:defRPr>
+                <a:solidFill>
+                  <a:schemeClr val="tx1"/>
+                </a:solidFill>
+                <a:latin typeface="Arial" panose="020B0604020202020204" pitchFamily="34" charset="0"/>
+              </a:defRPr>
+            </a:lvl7pPr>
+            <a:lvl8pPr eaLnBrk="0" fontAlgn="base" hangingPunct="0">
+              <a:spcBef>
+                <a:spcPct val="0"/>
+              </a:spcBef>
+              <a:spcAft>
+                <a:spcPct val="0"/>
+              </a:spcAft>
+              <a:defRPr>
+                <a:solidFill>
+                  <a:schemeClr val="tx1"/>
+                </a:solidFill>
+                <a:latin typeface="Arial" panose="020B0604020202020204" pitchFamily="34" charset="0"/>
+              </a:defRPr>
+            </a:lvl8pPr>
+            <a:lvl9pPr eaLnBrk="0" fontAlgn="base" hangingPunct="0">
+              <a:spcBef>
+                <a:spcPct val="0"/>
+              </a:spcBef>
+              <a:spcAft>
+                <a:spcPct val="0"/>
+              </a:spcAft>
+              <a:defRPr>
+                <a:solidFill>
+                  <a:schemeClr val="tx1"/>
+                </a:solidFill>
+                <a:latin typeface="Arial" panose="020B0604020202020204" pitchFamily="34" charset="0"/>
+              </a:defRPr>
+            </a:lvl9pPr>
+          </a:lstStyle>
+          <a:p>
+            <a:pPr marL="0" marR="0" lvl="0" indent="0" algn="l" defTabSz="914400" rtl="0" eaLnBrk="0" fontAlgn="base" latinLnBrk="0" hangingPunct="0">
+              <a:lnSpc>
+                <a:spcPct val="100000"/>
+              </a:lnSpc>
+              <a:spcBef>
+                <a:spcPct val="0"/>
+              </a:spcBef>
+              <a:spcAft>
+                <a:spcPct val="0"/>
+              </a:spcAft>
+              <a:buClrTx/>
+              <a:buSzTx/>
+              <a:buFontTx/>
+              <a:buNone/>
+              <a:tabLst/>
+            </a:pPr>
+            <a:r>
+              <a:rPr kumimoji="0" lang="en-US" altLang="en-US" sz="1200" b="0" i="0" u="none" strike="noStrike" cap="none" normalizeH="0" baseline="0">
+                <a:ln>
+                  <a:noFill/>
+                </a:ln>
+                <a:solidFill>
+                  <a:srgbClr val="E3E3E3"/>
+                </a:solidFill>
+                <a:effectLst/>
+                <a:latin typeface="-apple-system"/>
+              </a:rPr>
+              <a:t>This attribute is </a:t>
+            </a:r>
+            <a:r>
+              <a:rPr kumimoji="0" lang="en-US" altLang="en-US" sz="1000" b="0" i="0" u="none" strike="noStrike" cap="none" normalizeH="0" baseline="0">
+                <a:ln>
+                  <a:noFill/>
+                </a:ln>
+                <a:solidFill>
+                  <a:srgbClr val="E3E3E3"/>
+                </a:solidFill>
+                <a:effectLst/>
+                <a:latin typeface="var(--font-family-code)"/>
+              </a:rPr>
+              <a:t>TRUE</a:t>
+            </a:r>
+            <a:r>
+              <a:rPr kumimoji="0" lang="en-US" altLang="en-US" sz="1200" b="0" i="0" u="none" strike="noStrike" cap="none" normalizeH="0" baseline="0">
+                <a:ln>
+                  <a:noFill/>
+                </a:ln>
+                <a:solidFill>
+                  <a:srgbClr val="E3E3E3"/>
+                </a:solidFill>
+                <a:effectLst/>
+                <a:latin typeface="-apple-system"/>
+              </a:rPr>
+              <a:t> if the cursor is open or </a:t>
+            </a:r>
+            <a:r>
+              <a:rPr kumimoji="0" lang="en-US" altLang="en-US" sz="1000" b="0" i="0" u="none" strike="noStrike" cap="none" normalizeH="0" baseline="0">
+                <a:ln>
+                  <a:noFill/>
+                </a:ln>
+                <a:solidFill>
+                  <a:srgbClr val="E3E3E3"/>
+                </a:solidFill>
+                <a:effectLst/>
+                <a:latin typeface="var(--font-family-code)"/>
+              </a:rPr>
+              <a:t>FALSE</a:t>
+            </a:r>
+            <a:r>
+              <a:rPr kumimoji="0" lang="en-US" altLang="en-US" sz="1200" b="0" i="0" u="none" strike="noStrike" cap="none" normalizeH="0" baseline="0">
+                <a:ln>
+                  <a:noFill/>
+                </a:ln>
+                <a:solidFill>
+                  <a:srgbClr val="E3E3E3"/>
+                </a:solidFill>
+                <a:effectLst/>
+                <a:latin typeface="-apple-system"/>
+              </a:rPr>
+              <a:t> if it is not.</a:t>
+            </a:r>
+            <a:r>
+              <a:rPr kumimoji="0" lang="en-US" altLang="en-US" sz="800" b="0" i="0" u="none" strike="noStrike" cap="none" normalizeH="0" baseline="0">
+                <a:ln>
+                  <a:noFill/>
+                </a:ln>
+                <a:solidFill>
+                  <a:schemeClr val="tx1"/>
+                </a:solidFill>
+                <a:effectLst/>
+              </a:rPr>
+              <a:t> </a:t>
+            </a:r>
+            <a:endParaRPr kumimoji="0" lang="en-US" altLang="en-US" sz="1800" b="0" i="0" u="none" strike="noStrike" cap="none" normalizeH="0" baseline="0">
+              <a:ln>
+                <a:noFill/>
+              </a:ln>
+              <a:solidFill>
+                <a:schemeClr val="tx1"/>
+              </a:solidFill>
+              <a:effectLst/>
+              <a:latin typeface="Arial" panose="020B0604020202020204" pitchFamily="34" charset="0"/>
+            </a:endParaRPr>
+          </a:p>
+        </p:txBody>
+      </p:sp>
+    </p:spTree>
+    <p:extLst>
+      <p:ext uri="{BB962C8B-B14F-4D97-AF65-F5344CB8AC3E}">
+        <p14:creationId xmlns:p14="http://schemas.microsoft.com/office/powerpoint/2010/main" val="3159557855"/>
+      </p:ext>
+    </p:extLst>
+  </p:cSld>
+  <p:clrMapOvr>
+    <a:masterClrMapping/>
+  </p:clrMapOvr>
+</p:sld>
+</file>
+
+<file path=ppt/slides/slide41.xml><?xml version="1.0" encoding="utf-8"?>
+<p:sld xmlns:a="http://schemas.openxmlformats.org/drawingml/2006/main" xmlns:r="http://schemas.openxmlformats.org/officeDocument/2006/relationships" xmlns:p="http://schemas.openxmlformats.org/presentationml/2006/main">
+  <p:cSld>
+    <p:spTree>
+      <p:nvGrpSpPr>
+        <p:cNvPr id="1" name=""/>
+        <p:cNvGrpSpPr/>
+        <p:nvPr/>
+      </p:nvGrpSpPr>
+      <p:grpSpPr>
+        <a:xfrm>
+          <a:off x="0" y="0"/>
+          <a:ext cx="0" cy="0"/>
+          <a:chOff x="0" y="0"/>
+          <a:chExt cx="0" cy="0"/>
+        </a:xfrm>
+      </p:grpSpPr>
+      <p:sp>
+        <p:nvSpPr>
+          <p:cNvPr id="2" name="Title 1">
+            <a:extLst>
+              <a:ext uri="{FF2B5EF4-FFF2-40B4-BE49-F238E27FC236}">
+                <a16:creationId xmlns:a16="http://schemas.microsoft.com/office/drawing/2014/main" id="{B7D06790-5FC8-4724-BEA8-EA9A3BCF5D76}"/>
+              </a:ext>
+            </a:extLst>
+          </p:cNvPr>
+          <p:cNvSpPr>
+            <a:spLocks noGrp="1"/>
+          </p:cNvSpPr>
+          <p:nvPr>
+            <p:ph type="title"/>
+          </p:nvPr>
+        </p:nvSpPr>
+        <p:spPr/>
+        <p:txBody>
+          <a:bodyPr/>
+          <a:lstStyle/>
+          <a:p>
+            <a:r>
+              <a:rPr lang="en-US" dirty="0"/>
+              <a:t>Section 19. Cursors</a:t>
+            </a:r>
+            <a:endParaRPr lang="en-IN" dirty="0"/>
+          </a:p>
+        </p:txBody>
+      </p:sp>
+      <p:sp>
+        <p:nvSpPr>
+          <p:cNvPr id="3" name="Content Placeholder 2">
+            <a:extLst>
+              <a:ext uri="{FF2B5EF4-FFF2-40B4-BE49-F238E27FC236}">
+                <a16:creationId xmlns:a16="http://schemas.microsoft.com/office/drawing/2014/main" id="{DC60695E-1324-4CEF-9F3F-8FEB99FF4E3B}"/>
+              </a:ext>
+            </a:extLst>
+          </p:cNvPr>
+          <p:cNvSpPr>
+            <a:spLocks noGrp="1"/>
+          </p:cNvSpPr>
+          <p:nvPr>
+            <p:ph idx="1"/>
+          </p:nvPr>
+        </p:nvSpPr>
+        <p:spPr/>
+        <p:txBody>
+          <a:bodyPr>
+            <a:normAutofit/>
+          </a:bodyPr>
+          <a:lstStyle/>
+          <a:p>
+            <a:r>
+              <a:rPr lang="en-US" dirty="0"/>
+              <a:t>Cursor – introduce you to cursors including implicit and explicit cursors and shows you how to use them effectively to fetch data from a table.</a:t>
+            </a:r>
+          </a:p>
+          <a:p>
+            <a:r>
+              <a:rPr lang="en-US" dirty="0"/>
+              <a:t>Cursor FOR LOOP – show you how to use the cursor FOR LOOP statement to fetch and process each row from a cursor.</a:t>
+            </a:r>
+          </a:p>
+          <a:p>
+            <a:r>
+              <a:rPr lang="en-US" dirty="0"/>
+              <a:t>Cursor with parameters – learn how to use the cursor with parameters to fetch data according to the input arguments passed to the cursor each time it is opened.</a:t>
+            </a:r>
+          </a:p>
+        </p:txBody>
+      </p:sp>
+    </p:spTree>
+    <p:extLst>
+      <p:ext uri="{BB962C8B-B14F-4D97-AF65-F5344CB8AC3E}">
+        <p14:creationId xmlns:p14="http://schemas.microsoft.com/office/powerpoint/2010/main" val="2850588693"/>
+      </p:ext>
+    </p:extLst>
+  </p:cSld>
+  <p:clrMapOvr>
+    <a:masterClrMapping/>
+  </p:clrMapOvr>
+</p:sld>
+</file>
+
+<file path=ppt/slides/slide42.xml><?xml version="1.0" encoding="utf-8"?>
+<p:sld xmlns:a="http://schemas.openxmlformats.org/drawingml/2006/main" xmlns:r="http://schemas.openxmlformats.org/officeDocument/2006/relationships" xmlns:p="http://schemas.openxmlformats.org/presentationml/2006/main">
+  <p:cSld>
+    <p:spTree>
+      <p:nvGrpSpPr>
+        <p:cNvPr id="1" name=""/>
+        <p:cNvGrpSpPr/>
+        <p:nvPr/>
+      </p:nvGrpSpPr>
+      <p:grpSpPr>
+        <a:xfrm>
+          <a:off x="0" y="0"/>
+          <a:ext cx="0" cy="0"/>
+          <a:chOff x="0" y="0"/>
+          <a:chExt cx="0" cy="0"/>
+        </a:xfrm>
+      </p:grpSpPr>
+      <p:sp>
+        <p:nvSpPr>
+          <p:cNvPr id="2" name="Title 1">
+            <a:extLst>
+              <a:ext uri="{FF2B5EF4-FFF2-40B4-BE49-F238E27FC236}">
+                <a16:creationId xmlns:a16="http://schemas.microsoft.com/office/drawing/2014/main" id="{187793A9-2EB5-4CBA-9808-9BA90CD0A108}"/>
+              </a:ext>
+            </a:extLst>
+          </p:cNvPr>
+          <p:cNvSpPr>
+            <a:spLocks noGrp="1"/>
+          </p:cNvSpPr>
+          <p:nvPr>
+            <p:ph type="title"/>
+          </p:nvPr>
+        </p:nvSpPr>
+        <p:spPr/>
+        <p:txBody>
+          <a:bodyPr/>
+          <a:lstStyle/>
+          <a:p>
+            <a:r>
+              <a:rPr lang="en-US" dirty="0"/>
+              <a:t>Section 20.Stored Procedures and Functions</a:t>
+            </a:r>
+            <a:endParaRPr lang="en-IN" dirty="0"/>
+          </a:p>
+        </p:txBody>
+      </p:sp>
+      <p:sp>
+        <p:nvSpPr>
+          <p:cNvPr id="3" name="Content Placeholder 2">
+            <a:extLst>
+              <a:ext uri="{FF2B5EF4-FFF2-40B4-BE49-F238E27FC236}">
+                <a16:creationId xmlns:a16="http://schemas.microsoft.com/office/drawing/2014/main" id="{3E654D72-3731-4702-9FE9-7B0798ABEC2D}"/>
+              </a:ext>
+            </a:extLst>
+          </p:cNvPr>
+          <p:cNvSpPr>
+            <a:spLocks noGrp="1"/>
+          </p:cNvSpPr>
+          <p:nvPr>
+            <p:ph idx="1"/>
+          </p:nvPr>
+        </p:nvSpPr>
+        <p:spPr/>
+        <p:txBody>
+          <a:bodyPr/>
+          <a:lstStyle/>
+          <a:p>
+            <a:r>
+              <a:rPr lang="en-US" dirty="0"/>
+              <a:t>Procedure – a step-by-step guide to create, compile and execute a procedure from Oracle SQL Developer.</a:t>
+            </a:r>
+          </a:p>
+          <a:p>
+            <a:r>
+              <a:rPr lang="en-US" dirty="0"/>
+              <a:t>Implicit statement results  – learn how to return one or more result sets from a procedure.</a:t>
+            </a:r>
+          </a:p>
+          <a:p>
+            <a:r>
+              <a:rPr lang="en-US" dirty="0"/>
+              <a:t>Function – show you how to develop a PL/SQL function and explain to you various ways to call a function.</a:t>
+            </a:r>
+          </a:p>
+          <a:p>
+            <a:r>
+              <a:rPr lang="en-US" dirty="0"/>
+              <a:t>Cursor variables – learn how to use cursor variables using REF CURSOR type.</a:t>
+            </a:r>
+            <a:endParaRPr lang="en-IN" dirty="0"/>
+          </a:p>
+        </p:txBody>
+      </p:sp>
+    </p:spTree>
+    <p:extLst>
+      <p:ext uri="{BB962C8B-B14F-4D97-AF65-F5344CB8AC3E}">
+        <p14:creationId xmlns:p14="http://schemas.microsoft.com/office/powerpoint/2010/main" val="3989498717"/>
       </p:ext>
     </p:extLst>
   </p:cSld>
